--- a/docs/prototyp.pptx
+++ b/docs/prototyp.pptx
@@ -219,7 +219,7 @@
             <a:pPr rtl="0"/>
             <a:fld id="{DBD0EB98-3F07-4B95-B4E8-DB31C97F4031}" type="datetime1">
               <a:rPr lang="de-DE" smtClean="0"/>
-              <a:t>03.12.2019</a:t>
+              <a:t>08.12.2019</a:t>
             </a:fld>
             <a:endParaRPr lang="de-DE" dirty="0"/>
           </a:p>
@@ -388,7 +388,7 @@
             <a:fld id="{E5766E39-693B-4DD0-8612-6EBA869C40DF}" type="datetime1">
               <a:rPr lang="de-DE" smtClean="0"/>
               <a:pPr/>
-              <a:t>03.12.2019</a:t>
+              <a:t>08.12.2019</a:t>
             </a:fld>
             <a:endParaRPr lang="de-DE" dirty="0"/>
           </a:p>
@@ -943,7 +943,7 @@
             <a:pPr rtl="0"/>
             <a:fld id="{0FA306BB-85CC-4D4B-8C03-044CAE991E9C}" type="datetime1">
               <a:rPr lang="de-DE" noProof="0" smtClean="0"/>
-              <a:t>03.12.2019</a:t>
+              <a:t>08.12.2019</a:t>
             </a:fld>
             <a:endParaRPr lang="de-DE" noProof="0" dirty="0"/>
           </a:p>
@@ -1163,7 +1163,7 @@
             <a:pPr rtl="0"/>
             <a:fld id="{1812C858-ABFD-482C-8B16-DAB8DE9F6C02}" type="datetime1">
               <a:rPr lang="de-DE" noProof="0" smtClean="0"/>
-              <a:t>03.12.2019</a:t>
+              <a:t>08.12.2019</a:t>
             </a:fld>
             <a:endParaRPr lang="de-DE" noProof="0" dirty="0"/>
           </a:p>
@@ -1342,7 +1342,7 @@
             <a:pPr rtl="0"/>
             <a:fld id="{79A20BCE-F330-4347-B53C-F7CE42E70391}" type="datetime1">
               <a:rPr lang="de-DE" noProof="0" smtClean="0"/>
-              <a:t>03.12.2019</a:t>
+              <a:t>08.12.2019</a:t>
             </a:fld>
             <a:endParaRPr lang="de-DE" noProof="0" dirty="0"/>
           </a:p>
@@ -1511,7 +1511,7 @@
             <a:pPr rtl="0"/>
             <a:fld id="{657C7425-97B9-4E50-ABBC-59A039D558BD}" type="datetime1">
               <a:rPr lang="de-DE" noProof="0" smtClean="0"/>
-              <a:t>03.12.2019</a:t>
+              <a:t>08.12.2019</a:t>
             </a:fld>
             <a:endParaRPr lang="de-DE" noProof="0" dirty="0"/>
           </a:p>
@@ -1761,7 +1761,7 @@
             <a:pPr rtl="0"/>
             <a:fld id="{081C6786-D0E9-4C88-8882-2B797EA2F34B}" type="datetime1">
               <a:rPr lang="de-DE" noProof="0" smtClean="0"/>
-              <a:t>03.12.2019</a:t>
+              <a:t>08.12.2019</a:t>
             </a:fld>
             <a:endParaRPr lang="de-DE" noProof="0" dirty="0"/>
           </a:p>
@@ -2083,7 +2083,7 @@
             <a:pPr rtl="0"/>
             <a:fld id="{29A92048-A210-4766-B035-62701B861C6C}" type="datetime1">
               <a:rPr lang="de-DE" noProof="0" smtClean="0"/>
-              <a:t>03.12.2019</a:t>
+              <a:t>08.12.2019</a:t>
             </a:fld>
             <a:endParaRPr lang="de-DE" noProof="0" dirty="0"/>
           </a:p>
@@ -2506,7 +2506,7 @@
             <a:pPr rtl="0"/>
             <a:fld id="{7FFD6DBB-5BA2-4D09-92F2-D64678E972D9}" type="datetime1">
               <a:rPr lang="de-DE" noProof="0" smtClean="0"/>
-              <a:t>03.12.2019</a:t>
+              <a:t>08.12.2019</a:t>
             </a:fld>
             <a:endParaRPr lang="de-DE" noProof="0" dirty="0"/>
           </a:p>
@@ -2623,7 +2623,7 @@
             <a:pPr rtl="0"/>
             <a:fld id="{50736969-CDBB-4E7A-8E25-B0DC6858035E}" type="datetime1">
               <a:rPr lang="de-DE" noProof="0" smtClean="0"/>
-              <a:t>03.12.2019</a:t>
+              <a:t>08.12.2019</a:t>
             </a:fld>
             <a:endParaRPr lang="de-DE" noProof="0" dirty="0"/>
           </a:p>
@@ -2716,7 +2716,7 @@
             <a:pPr rtl="0"/>
             <a:fld id="{1079CB63-0B86-485A-8E1D-08D837502F9A}" type="datetime1">
               <a:rPr lang="de-DE" noProof="0" smtClean="0"/>
-              <a:t>03.12.2019</a:t>
+              <a:t>08.12.2019</a:t>
             </a:fld>
             <a:endParaRPr lang="de-DE" noProof="0" dirty="0"/>
           </a:p>
@@ -3005,7 +3005,7 @@
             <a:pPr rtl="0"/>
             <a:fld id="{0C4FA3C1-A604-40D2-8F36-3DA26D297CBB}" type="datetime1">
               <a:rPr lang="de-DE" noProof="0" smtClean="0"/>
-              <a:t>03.12.2019</a:t>
+              <a:t>08.12.2019</a:t>
             </a:fld>
             <a:endParaRPr lang="de-DE" noProof="0" dirty="0"/>
           </a:p>
@@ -3277,7 +3277,7 @@
             <a:pPr rtl="0"/>
             <a:fld id="{6554B8C7-6407-45FB-82BF-AA079EAE7014}" type="datetime1">
               <a:rPr lang="de-DE" noProof="0" smtClean="0"/>
-              <a:t>03.12.2019</a:t>
+              <a:t>08.12.2019</a:t>
             </a:fld>
             <a:endParaRPr lang="de-DE" noProof="0" dirty="0"/>
           </a:p>
@@ -3528,7 +3528,7 @@
             <a:pPr rtl="0"/>
             <a:fld id="{F6D43D9E-BAA4-4A26-BD49-007AC954F379}" type="datetime1">
               <a:rPr lang="de-DE" noProof="0" smtClean="0"/>
-              <a:t>03.12.2019</a:t>
+              <a:t>08.12.2019</a:t>
             </a:fld>
             <a:endParaRPr lang="de-DE" noProof="0" dirty="0"/>
           </a:p>
@@ -5140,7 +5140,15 @@
             </a:pPr>
             <a:r>
               <a:rPr lang="de-DE" sz="4800" dirty="0"/>
-              <a:t>Vielen Dank für Ihre Interesse</a:t>
+              <a:t>Vielen Dank </a:t>
+            </a:r>
+            <a:r>
+              <a:rPr lang="de-DE" sz="4800"/>
+              <a:t>für Ihr </a:t>
+            </a:r>
+            <a:r>
+              <a:rPr lang="de-DE" sz="4800" dirty="0"/>
+              <a:t>Interesse</a:t>
             </a:r>
           </a:p>
         </p:txBody>
@@ -8573,6 +8581,15 @@
 </file>
 
 <file path=customXml/item2.xml><?xml version="1.0" encoding="utf-8"?>
+<?mso-contentType ?>
+<FormTemplates xmlns="http://schemas.microsoft.com/sharepoint/v3/contenttype/forms">
+  <Display>DocumentLibraryForm</Display>
+  <Edit>DocumentLibraryForm</Edit>
+  <New>DocumentLibraryForm</New>
+</FormTemplates>
+</file>
+
+<file path=customXml/item3.xml><?xml version="1.0" encoding="utf-8"?>
 <ct:contentTypeSchema xmlns:ct="http://schemas.microsoft.com/office/2006/metadata/contentType" xmlns:ma="http://schemas.microsoft.com/office/2006/metadata/properties/metaAttributes" ct:_="" ma:_="" ma:contentTypeName="Document" ma:contentTypeID="0x01010079F111ED35F8CC479449609E8A0923A6" ma:contentTypeVersion="11" ma:contentTypeDescription="Create a new document." ma:contentTypeScope="" ma:versionID="9677210f24a1be23c92c90fd886aa0aa">
   <xsd:schema xmlns:xsd="http://www.w3.org/2001/XMLSchema" xmlns:xs="http://www.w3.org/2001/XMLSchema" xmlns:p="http://schemas.microsoft.com/office/2006/metadata/properties" xmlns:ns2="71af3243-3dd4-4a8d-8c0d-dd76da1f02a5" xmlns:ns3="16c05727-aa75-4e4a-9b5f-8a80a1165891" targetNamespace="http://schemas.microsoft.com/office/2006/metadata/properties" ma:root="true" ma:fieldsID="60e05723c5c1908df1a1a4ebf11d344e" ns2:_="" ns3:_="">
     <xsd:import namespace="71af3243-3dd4-4a8d-8c0d-dd76da1f02a5"/>
@@ -8783,15 +8800,6 @@
 </ct:contentTypeSchema>
 </file>
 
-<file path=customXml/item3.xml><?xml version="1.0" encoding="utf-8"?>
-<?mso-contentType ?>
-<FormTemplates xmlns="http://schemas.microsoft.com/sharepoint/v3/contenttype/forms">
-  <Display>DocumentLibraryForm</Display>
-  <Edit>DocumentLibraryForm</Edit>
-  <New>DocumentLibraryForm</New>
-</FormTemplates>
-</file>
-
 <file path=customXml/itemProps1.xml><?xml version="1.0" encoding="utf-8"?>
 <ds:datastoreItem xmlns:ds="http://schemas.openxmlformats.org/officeDocument/2006/customXml" ds:itemID="{E0915EF7-B9F6-4EB7-AA4F-557BE6AB702C}">
   <ds:schemaRefs>
@@ -8803,6 +8811,14 @@
 </file>
 
 <file path=customXml/itemProps2.xml><?xml version="1.0" encoding="utf-8"?>
+<ds:datastoreItem xmlns:ds="http://schemas.openxmlformats.org/officeDocument/2006/customXml" ds:itemID="{F465D742-03F8-4A07-AD44-2F5940A96098}">
+  <ds:schemaRefs>
+    <ds:schemaRef ds:uri="http://schemas.microsoft.com/sharepoint/v3/contenttype/forms"/>
+  </ds:schemaRefs>
+</ds:datastoreItem>
+</file>
+
+<file path=customXml/itemProps3.xml><?xml version="1.0" encoding="utf-8"?>
 <ds:datastoreItem xmlns:ds="http://schemas.openxmlformats.org/officeDocument/2006/customXml" ds:itemID="{6928E4D0-782D-4812-BE7D-AE5131FD375E}">
   <ds:schemaRefs>
     <ds:schemaRef ds:uri="http://schemas.microsoft.com/office/2006/metadata/contentType"/>
@@ -8819,12 +8835,4 @@
     <ds:schemaRef ds:uri="http://schemas.microsoft.com/internal/obd"/>
   </ds:schemaRefs>
 </ds:datastoreItem>
-</file>
-
-<file path=customXml/itemProps3.xml><?xml version="1.0" encoding="utf-8"?>
-<ds:datastoreItem xmlns:ds="http://schemas.openxmlformats.org/officeDocument/2006/customXml" ds:itemID="{F465D742-03F8-4A07-AD44-2F5940A96098}">
-  <ds:schemaRefs>
-    <ds:schemaRef ds:uri="http://schemas.microsoft.com/sharepoint/v3/contenttype/forms"/>
-  </ds:schemaRefs>
-</ds:datastoreItem>
 </file>